--- a/Cpp_In_One_Hour.pptx
+++ b/Cpp_In_One_Hour.pptx
@@ -9502,22 +9502,6 @@
             </a:pPr>
             <a:r>
               <a:rPr lang="en" sz="3200"/>
-              <a:t>-&gt; Function</a:t>
-            </a:r>
-            <a:endParaRPr sz="3200"/>
-          </a:p>
-          <a:p>
-            <a:pPr indent="457200" lvl="0" marL="1371600" rtl="0" algn="l">
-              <a:spcBef>
-                <a:spcPts val="0"/>
-              </a:spcBef>
-              <a:spcAft>
-                <a:spcPts val="0"/>
-              </a:spcAft>
-              <a:buNone/>
-            </a:pPr>
-            <a:r>
-              <a:rPr lang="en" sz="3200"/>
               <a:t>-&gt; Array</a:t>
             </a:r>
             <a:endParaRPr sz="3200"/>
